--- a/ppt 16-9/1178.天堂真快乐.pptx
+++ b/ppt 16-9/1178.天堂真快乐.pptx
@@ -5,7 +5,7 @@
     <p:sldMasterId id="2147483648" r:id="rId1"/>
   </p:sldMasterIdLst>
   <p:sldIdLst>
-    <p:sldId id="691" r:id="rId2"/>
+    <p:sldId id="693" r:id="rId2"/>
   </p:sldIdLst>
   <p:sldSz cx="12192000" cy="6858000"/>
   <p:notesSz cx="6858000" cy="9144000"/>
@@ -129,7 +129,7 @@
           <p:cNvPr id="2" name="标题 1">
             <a:extLst>
               <a:ext uri="{FF2B5EF4-FFF2-40B4-BE49-F238E27FC236}">
-                <a16:creationId xmlns:a16="http://schemas.microsoft.com/office/drawing/2014/main" id="{0C8FC8E5-E782-957B-329A-19E0215AB2C9}"/>
+                <a16:creationId xmlns:a16="http://schemas.microsoft.com/office/drawing/2014/main" id="{E4259245-432F-F69F-6FB7-1B1507FC6409}"/>
               </a:ext>
             </a:extLst>
           </p:cNvPr>
@@ -166,7 +166,7 @@
           <p:cNvPr id="3" name="副标题 2">
             <a:extLst>
               <a:ext uri="{FF2B5EF4-FFF2-40B4-BE49-F238E27FC236}">
-                <a16:creationId xmlns:a16="http://schemas.microsoft.com/office/drawing/2014/main" id="{E719292B-E49A-CEDE-B20A-6E778C34D87F}"/>
+                <a16:creationId xmlns:a16="http://schemas.microsoft.com/office/drawing/2014/main" id="{F3D4802F-800E-B93C-8CAC-49BE2A735E73}"/>
               </a:ext>
             </a:extLst>
           </p:cNvPr>
@@ -236,7 +236,7 @@
           <p:cNvPr id="4" name="日期占位符 3">
             <a:extLst>
               <a:ext uri="{FF2B5EF4-FFF2-40B4-BE49-F238E27FC236}">
-                <a16:creationId xmlns:a16="http://schemas.microsoft.com/office/drawing/2014/main" id="{70AF786B-4A4B-8C14-D91F-E1A68FFBC082}"/>
+                <a16:creationId xmlns:a16="http://schemas.microsoft.com/office/drawing/2014/main" id="{BE1A8258-346E-AC2B-468B-48ED5F704384}"/>
               </a:ext>
             </a:extLst>
           </p:cNvPr>
@@ -252,7 +252,7 @@
           <a:bodyPr/>
           <a:lstStyle/>
           <a:p>
-            <a:fld id="{96EFE92F-E094-45A0-A873-F60797093C08}" type="datetimeFigureOut">
+            <a:fld id="{51CE19DB-506E-4561-8BB3-94449CFC98F7}" type="datetimeFigureOut">
               <a:rPr lang="zh-CN" altLang="en-US" smtClean="0"/>
               <a:t>2024/3/10</a:t>
             </a:fld>
@@ -265,7 +265,7 @@
           <p:cNvPr id="5" name="页脚占位符 4">
             <a:extLst>
               <a:ext uri="{FF2B5EF4-FFF2-40B4-BE49-F238E27FC236}">
-                <a16:creationId xmlns:a16="http://schemas.microsoft.com/office/drawing/2014/main" id="{1A71F6A1-AE87-7D0E-9875-2974682B2D39}"/>
+                <a16:creationId xmlns:a16="http://schemas.microsoft.com/office/drawing/2014/main" id="{745DED91-5AD0-F998-FACE-F5E87DAA1599}"/>
               </a:ext>
             </a:extLst>
           </p:cNvPr>
@@ -290,7 +290,7 @@
           <p:cNvPr id="6" name="灯片编号占位符 5">
             <a:extLst>
               <a:ext uri="{FF2B5EF4-FFF2-40B4-BE49-F238E27FC236}">
-                <a16:creationId xmlns:a16="http://schemas.microsoft.com/office/drawing/2014/main" id="{08B10658-2BAF-0B08-C83D-B2B9610A1C5A}"/>
+                <a16:creationId xmlns:a16="http://schemas.microsoft.com/office/drawing/2014/main" id="{915EF1ED-5E21-8B69-9D40-62FE33DD800E}"/>
               </a:ext>
             </a:extLst>
           </p:cNvPr>
@@ -306,7 +306,7 @@
           <a:bodyPr/>
           <a:lstStyle/>
           <a:p>
-            <a:fld id="{405BF015-0BF1-42DE-8640-4F70D6A9F69D}" type="slidenum">
+            <a:fld id="{CE12D511-E329-4C51-A65E-0226E3B9EFA4}" type="slidenum">
               <a:rPr lang="zh-CN" altLang="en-US" smtClean="0"/>
               <a:t>‹#›</a:t>
             </a:fld>
@@ -317,7 +317,7 @@
     </p:spTree>
     <p:extLst>
       <p:ext uri="{BB962C8B-B14F-4D97-AF65-F5344CB8AC3E}">
-        <p14:creationId xmlns:p14="http://schemas.microsoft.com/office/powerpoint/2010/main" val="472316999"/>
+        <p14:creationId xmlns:p14="http://schemas.microsoft.com/office/powerpoint/2010/main" val="1447134073"/>
       </p:ext>
     </p:extLst>
   </p:cSld>
@@ -349,7 +349,7 @@
           <p:cNvPr id="2" name="标题 1">
             <a:extLst>
               <a:ext uri="{FF2B5EF4-FFF2-40B4-BE49-F238E27FC236}">
-                <a16:creationId xmlns:a16="http://schemas.microsoft.com/office/drawing/2014/main" id="{B0E4CC64-CC1A-DEED-5D48-9DEDFA9CD1CC}"/>
+                <a16:creationId xmlns:a16="http://schemas.microsoft.com/office/drawing/2014/main" id="{A984D9C7-4C91-4027-51D2-47DEF33F98D1}"/>
               </a:ext>
             </a:extLst>
           </p:cNvPr>
@@ -377,7 +377,7 @@
           <p:cNvPr id="3" name="竖排文字占位符 2">
             <a:extLst>
               <a:ext uri="{FF2B5EF4-FFF2-40B4-BE49-F238E27FC236}">
-                <a16:creationId xmlns:a16="http://schemas.microsoft.com/office/drawing/2014/main" id="{1121D5DF-22C7-FC80-676B-36254A641A23}"/>
+                <a16:creationId xmlns:a16="http://schemas.microsoft.com/office/drawing/2014/main" id="{09F7A8EF-D37A-1379-7D5B-7E3D2DF662A3}"/>
               </a:ext>
             </a:extLst>
           </p:cNvPr>
@@ -434,7 +434,7 @@
           <p:cNvPr id="4" name="日期占位符 3">
             <a:extLst>
               <a:ext uri="{FF2B5EF4-FFF2-40B4-BE49-F238E27FC236}">
-                <a16:creationId xmlns:a16="http://schemas.microsoft.com/office/drawing/2014/main" id="{6A35C847-A987-9D2A-446F-F2749E1E6C21}"/>
+                <a16:creationId xmlns:a16="http://schemas.microsoft.com/office/drawing/2014/main" id="{A23088C8-B34D-12A5-B89A-AEC8BB6D21D0}"/>
               </a:ext>
             </a:extLst>
           </p:cNvPr>
@@ -450,7 +450,7 @@
           <a:bodyPr/>
           <a:lstStyle/>
           <a:p>
-            <a:fld id="{96EFE92F-E094-45A0-A873-F60797093C08}" type="datetimeFigureOut">
+            <a:fld id="{51CE19DB-506E-4561-8BB3-94449CFC98F7}" type="datetimeFigureOut">
               <a:rPr lang="zh-CN" altLang="en-US" smtClean="0"/>
               <a:t>2024/3/10</a:t>
             </a:fld>
@@ -463,7 +463,7 @@
           <p:cNvPr id="5" name="页脚占位符 4">
             <a:extLst>
               <a:ext uri="{FF2B5EF4-FFF2-40B4-BE49-F238E27FC236}">
-                <a16:creationId xmlns:a16="http://schemas.microsoft.com/office/drawing/2014/main" id="{C88F43FF-2793-847B-976E-C3A62849BF80}"/>
+                <a16:creationId xmlns:a16="http://schemas.microsoft.com/office/drawing/2014/main" id="{C75CC347-D827-FD60-6AAD-89F102B0787C}"/>
               </a:ext>
             </a:extLst>
           </p:cNvPr>
@@ -488,7 +488,7 @@
           <p:cNvPr id="6" name="灯片编号占位符 5">
             <a:extLst>
               <a:ext uri="{FF2B5EF4-FFF2-40B4-BE49-F238E27FC236}">
-                <a16:creationId xmlns:a16="http://schemas.microsoft.com/office/drawing/2014/main" id="{A57B113A-C804-F666-2A86-232E4B3E9DE4}"/>
+                <a16:creationId xmlns:a16="http://schemas.microsoft.com/office/drawing/2014/main" id="{229FA747-BCE2-2446-FD95-38DCEE91E5AC}"/>
               </a:ext>
             </a:extLst>
           </p:cNvPr>
@@ -504,7 +504,7 @@
           <a:bodyPr/>
           <a:lstStyle/>
           <a:p>
-            <a:fld id="{405BF015-0BF1-42DE-8640-4F70D6A9F69D}" type="slidenum">
+            <a:fld id="{CE12D511-E329-4C51-A65E-0226E3B9EFA4}" type="slidenum">
               <a:rPr lang="zh-CN" altLang="en-US" smtClean="0"/>
               <a:t>‹#›</a:t>
             </a:fld>
@@ -515,7 +515,7 @@
     </p:spTree>
     <p:extLst>
       <p:ext uri="{BB962C8B-B14F-4D97-AF65-F5344CB8AC3E}">
-        <p14:creationId xmlns:p14="http://schemas.microsoft.com/office/powerpoint/2010/main" val="2145597281"/>
+        <p14:creationId xmlns:p14="http://schemas.microsoft.com/office/powerpoint/2010/main" val="1632147657"/>
       </p:ext>
     </p:extLst>
   </p:cSld>
@@ -547,7 +547,7 @@
           <p:cNvPr id="2" name="竖排标题 1">
             <a:extLst>
               <a:ext uri="{FF2B5EF4-FFF2-40B4-BE49-F238E27FC236}">
-                <a16:creationId xmlns:a16="http://schemas.microsoft.com/office/drawing/2014/main" id="{9A79F739-59E5-782C-4540-30C75D3EB443}"/>
+                <a16:creationId xmlns:a16="http://schemas.microsoft.com/office/drawing/2014/main" id="{14C678EA-F9E0-9C17-5DAF-8C8ACEC97717}"/>
               </a:ext>
             </a:extLst>
           </p:cNvPr>
@@ -580,7 +580,7 @@
           <p:cNvPr id="3" name="竖排文字占位符 2">
             <a:extLst>
               <a:ext uri="{FF2B5EF4-FFF2-40B4-BE49-F238E27FC236}">
-                <a16:creationId xmlns:a16="http://schemas.microsoft.com/office/drawing/2014/main" id="{3A189338-C01A-2BE7-4045-3B4A051CC0E2}"/>
+                <a16:creationId xmlns:a16="http://schemas.microsoft.com/office/drawing/2014/main" id="{E3C5A4C4-25C5-2F33-C1CA-803D23236E6C}"/>
               </a:ext>
             </a:extLst>
           </p:cNvPr>
@@ -642,7 +642,7 @@
           <p:cNvPr id="4" name="日期占位符 3">
             <a:extLst>
               <a:ext uri="{FF2B5EF4-FFF2-40B4-BE49-F238E27FC236}">
-                <a16:creationId xmlns:a16="http://schemas.microsoft.com/office/drawing/2014/main" id="{DF5DB4DE-C850-BD8C-F458-032AAD7ABA90}"/>
+                <a16:creationId xmlns:a16="http://schemas.microsoft.com/office/drawing/2014/main" id="{2A0D792E-395B-21D7-0329-16317A68D4A3}"/>
               </a:ext>
             </a:extLst>
           </p:cNvPr>
@@ -658,7 +658,7 @@
           <a:bodyPr/>
           <a:lstStyle/>
           <a:p>
-            <a:fld id="{96EFE92F-E094-45A0-A873-F60797093C08}" type="datetimeFigureOut">
+            <a:fld id="{51CE19DB-506E-4561-8BB3-94449CFC98F7}" type="datetimeFigureOut">
               <a:rPr lang="zh-CN" altLang="en-US" smtClean="0"/>
               <a:t>2024/3/10</a:t>
             </a:fld>
@@ -671,7 +671,7 @@
           <p:cNvPr id="5" name="页脚占位符 4">
             <a:extLst>
               <a:ext uri="{FF2B5EF4-FFF2-40B4-BE49-F238E27FC236}">
-                <a16:creationId xmlns:a16="http://schemas.microsoft.com/office/drawing/2014/main" id="{79715FD5-E97F-4A11-8118-C47B585CA71C}"/>
+                <a16:creationId xmlns:a16="http://schemas.microsoft.com/office/drawing/2014/main" id="{3C1DC87F-E7B8-3E08-D80B-1807A57DB0DD}"/>
               </a:ext>
             </a:extLst>
           </p:cNvPr>
@@ -696,7 +696,7 @@
           <p:cNvPr id="6" name="灯片编号占位符 5">
             <a:extLst>
               <a:ext uri="{FF2B5EF4-FFF2-40B4-BE49-F238E27FC236}">
-                <a16:creationId xmlns:a16="http://schemas.microsoft.com/office/drawing/2014/main" id="{19C2E635-B746-D604-88C7-007894E6D142}"/>
+                <a16:creationId xmlns:a16="http://schemas.microsoft.com/office/drawing/2014/main" id="{82DBE1C2-DDEF-DA76-284A-1B227D21DC7D}"/>
               </a:ext>
             </a:extLst>
           </p:cNvPr>
@@ -712,7 +712,7 @@
           <a:bodyPr/>
           <a:lstStyle/>
           <a:p>
-            <a:fld id="{405BF015-0BF1-42DE-8640-4F70D6A9F69D}" type="slidenum">
+            <a:fld id="{CE12D511-E329-4C51-A65E-0226E3B9EFA4}" type="slidenum">
               <a:rPr lang="zh-CN" altLang="en-US" smtClean="0"/>
               <a:t>‹#›</a:t>
             </a:fld>
@@ -723,7 +723,7 @@
     </p:spTree>
     <p:extLst>
       <p:ext uri="{BB962C8B-B14F-4D97-AF65-F5344CB8AC3E}">
-        <p14:creationId xmlns:p14="http://schemas.microsoft.com/office/powerpoint/2010/main" val="849055034"/>
+        <p14:creationId xmlns:p14="http://schemas.microsoft.com/office/powerpoint/2010/main" val="3202478718"/>
       </p:ext>
     </p:extLst>
   </p:cSld>
@@ -755,7 +755,7 @@
           <p:cNvPr id="2" name="标题 1">
             <a:extLst>
               <a:ext uri="{FF2B5EF4-FFF2-40B4-BE49-F238E27FC236}">
-                <a16:creationId xmlns:a16="http://schemas.microsoft.com/office/drawing/2014/main" id="{D34E789B-7022-F950-0B51-80F169EA6E93}"/>
+                <a16:creationId xmlns:a16="http://schemas.microsoft.com/office/drawing/2014/main" id="{BEDD6BCF-68F6-8667-1B23-F04A37386589}"/>
               </a:ext>
             </a:extLst>
           </p:cNvPr>
@@ -783,7 +783,7 @@
           <p:cNvPr id="3" name="内容占位符 2">
             <a:extLst>
               <a:ext uri="{FF2B5EF4-FFF2-40B4-BE49-F238E27FC236}">
-                <a16:creationId xmlns:a16="http://schemas.microsoft.com/office/drawing/2014/main" id="{DC838DD1-F80D-636B-FE2B-E5EBD27EF839}"/>
+                <a16:creationId xmlns:a16="http://schemas.microsoft.com/office/drawing/2014/main" id="{051D51B9-8E14-C880-F6B2-B8F43D4D670A}"/>
               </a:ext>
             </a:extLst>
           </p:cNvPr>
@@ -840,7 +840,7 @@
           <p:cNvPr id="4" name="日期占位符 3">
             <a:extLst>
               <a:ext uri="{FF2B5EF4-FFF2-40B4-BE49-F238E27FC236}">
-                <a16:creationId xmlns:a16="http://schemas.microsoft.com/office/drawing/2014/main" id="{93D8C974-455E-279B-D304-C5B00BE23F56}"/>
+                <a16:creationId xmlns:a16="http://schemas.microsoft.com/office/drawing/2014/main" id="{A2D3EB3F-1B44-DF08-C653-B15BF32F796F}"/>
               </a:ext>
             </a:extLst>
           </p:cNvPr>
@@ -856,7 +856,7 @@
           <a:bodyPr/>
           <a:lstStyle/>
           <a:p>
-            <a:fld id="{96EFE92F-E094-45A0-A873-F60797093C08}" type="datetimeFigureOut">
+            <a:fld id="{51CE19DB-506E-4561-8BB3-94449CFC98F7}" type="datetimeFigureOut">
               <a:rPr lang="zh-CN" altLang="en-US" smtClean="0"/>
               <a:t>2024/3/10</a:t>
             </a:fld>
@@ -869,7 +869,7 @@
           <p:cNvPr id="5" name="页脚占位符 4">
             <a:extLst>
               <a:ext uri="{FF2B5EF4-FFF2-40B4-BE49-F238E27FC236}">
-                <a16:creationId xmlns:a16="http://schemas.microsoft.com/office/drawing/2014/main" id="{660A850C-83B5-413B-08E1-48DB10EFAC61}"/>
+                <a16:creationId xmlns:a16="http://schemas.microsoft.com/office/drawing/2014/main" id="{3A23FF51-9BFF-AE79-A6C6-4B95AF9015A9}"/>
               </a:ext>
             </a:extLst>
           </p:cNvPr>
@@ -894,7 +894,7 @@
           <p:cNvPr id="6" name="灯片编号占位符 5">
             <a:extLst>
               <a:ext uri="{FF2B5EF4-FFF2-40B4-BE49-F238E27FC236}">
-                <a16:creationId xmlns:a16="http://schemas.microsoft.com/office/drawing/2014/main" id="{0CC738DF-8FE2-7A38-03D6-A3A89479CFB0}"/>
+                <a16:creationId xmlns:a16="http://schemas.microsoft.com/office/drawing/2014/main" id="{335EBEB9-BC4E-277A-B385-DF792AC4BAC5}"/>
               </a:ext>
             </a:extLst>
           </p:cNvPr>
@@ -910,7 +910,7 @@
           <a:bodyPr/>
           <a:lstStyle/>
           <a:p>
-            <a:fld id="{405BF015-0BF1-42DE-8640-4F70D6A9F69D}" type="slidenum">
+            <a:fld id="{CE12D511-E329-4C51-A65E-0226E3B9EFA4}" type="slidenum">
               <a:rPr lang="zh-CN" altLang="en-US" smtClean="0"/>
               <a:t>‹#›</a:t>
             </a:fld>
@@ -921,7 +921,7 @@
     </p:spTree>
     <p:extLst>
       <p:ext uri="{BB962C8B-B14F-4D97-AF65-F5344CB8AC3E}">
-        <p14:creationId xmlns:p14="http://schemas.microsoft.com/office/powerpoint/2010/main" val="412470"/>
+        <p14:creationId xmlns:p14="http://schemas.microsoft.com/office/powerpoint/2010/main" val="3679706995"/>
       </p:ext>
     </p:extLst>
   </p:cSld>
@@ -953,7 +953,7 @@
           <p:cNvPr id="2" name="标题 1">
             <a:extLst>
               <a:ext uri="{FF2B5EF4-FFF2-40B4-BE49-F238E27FC236}">
-                <a16:creationId xmlns:a16="http://schemas.microsoft.com/office/drawing/2014/main" id="{498F95AD-6AFD-9AB7-1AF4-0A53F2FDD14B}"/>
+                <a16:creationId xmlns:a16="http://schemas.microsoft.com/office/drawing/2014/main" id="{44168EC2-32FE-FE0E-996E-FB1F449DDB64}"/>
               </a:ext>
             </a:extLst>
           </p:cNvPr>
@@ -990,7 +990,7 @@
           <p:cNvPr id="3" name="文本占位符 2">
             <a:extLst>
               <a:ext uri="{FF2B5EF4-FFF2-40B4-BE49-F238E27FC236}">
-                <a16:creationId xmlns:a16="http://schemas.microsoft.com/office/drawing/2014/main" id="{60D258BC-D84E-45A4-2553-6F05D0083C55}"/>
+                <a16:creationId xmlns:a16="http://schemas.microsoft.com/office/drawing/2014/main" id="{BD51CF2A-F38E-28D5-F134-82591A847783}"/>
               </a:ext>
             </a:extLst>
           </p:cNvPr>
@@ -1115,7 +1115,7 @@
           <p:cNvPr id="4" name="日期占位符 3">
             <a:extLst>
               <a:ext uri="{FF2B5EF4-FFF2-40B4-BE49-F238E27FC236}">
-                <a16:creationId xmlns:a16="http://schemas.microsoft.com/office/drawing/2014/main" id="{96868B77-FB67-121D-D24A-768A3707BE86}"/>
+                <a16:creationId xmlns:a16="http://schemas.microsoft.com/office/drawing/2014/main" id="{D7DF1DE0-C565-ACD1-BD08-0B8929916543}"/>
               </a:ext>
             </a:extLst>
           </p:cNvPr>
@@ -1131,7 +1131,7 @@
           <a:bodyPr/>
           <a:lstStyle/>
           <a:p>
-            <a:fld id="{96EFE92F-E094-45A0-A873-F60797093C08}" type="datetimeFigureOut">
+            <a:fld id="{51CE19DB-506E-4561-8BB3-94449CFC98F7}" type="datetimeFigureOut">
               <a:rPr lang="zh-CN" altLang="en-US" smtClean="0"/>
               <a:t>2024/3/10</a:t>
             </a:fld>
@@ -1144,7 +1144,7 @@
           <p:cNvPr id="5" name="页脚占位符 4">
             <a:extLst>
               <a:ext uri="{FF2B5EF4-FFF2-40B4-BE49-F238E27FC236}">
-                <a16:creationId xmlns:a16="http://schemas.microsoft.com/office/drawing/2014/main" id="{41A16E94-AB3C-D954-9168-30218C417EE1}"/>
+                <a16:creationId xmlns:a16="http://schemas.microsoft.com/office/drawing/2014/main" id="{A7690144-FCCA-E5B7-A5BA-13947691C0CD}"/>
               </a:ext>
             </a:extLst>
           </p:cNvPr>
@@ -1169,7 +1169,7 @@
           <p:cNvPr id="6" name="灯片编号占位符 5">
             <a:extLst>
               <a:ext uri="{FF2B5EF4-FFF2-40B4-BE49-F238E27FC236}">
-                <a16:creationId xmlns:a16="http://schemas.microsoft.com/office/drawing/2014/main" id="{EDE4ABC4-8EC5-5E58-0316-E0ECCF1B364A}"/>
+                <a16:creationId xmlns:a16="http://schemas.microsoft.com/office/drawing/2014/main" id="{9E4630B3-8B2D-0C82-FA40-87983FC36C17}"/>
               </a:ext>
             </a:extLst>
           </p:cNvPr>
@@ -1185,7 +1185,7 @@
           <a:bodyPr/>
           <a:lstStyle/>
           <a:p>
-            <a:fld id="{405BF015-0BF1-42DE-8640-4F70D6A9F69D}" type="slidenum">
+            <a:fld id="{CE12D511-E329-4C51-A65E-0226E3B9EFA4}" type="slidenum">
               <a:rPr lang="zh-CN" altLang="en-US" smtClean="0"/>
               <a:t>‹#›</a:t>
             </a:fld>
@@ -1196,7 +1196,7 @@
     </p:spTree>
     <p:extLst>
       <p:ext uri="{BB962C8B-B14F-4D97-AF65-F5344CB8AC3E}">
-        <p14:creationId xmlns:p14="http://schemas.microsoft.com/office/powerpoint/2010/main" val="3433116829"/>
+        <p14:creationId xmlns:p14="http://schemas.microsoft.com/office/powerpoint/2010/main" val="3967617980"/>
       </p:ext>
     </p:extLst>
   </p:cSld>
@@ -1228,7 +1228,7 @@
           <p:cNvPr id="2" name="标题 1">
             <a:extLst>
               <a:ext uri="{FF2B5EF4-FFF2-40B4-BE49-F238E27FC236}">
-                <a16:creationId xmlns:a16="http://schemas.microsoft.com/office/drawing/2014/main" id="{89F26815-EEFA-5A66-49F2-6F3C4315F5BD}"/>
+                <a16:creationId xmlns:a16="http://schemas.microsoft.com/office/drawing/2014/main" id="{6990D776-99E3-5E45-C27D-6596B115D61F}"/>
               </a:ext>
             </a:extLst>
           </p:cNvPr>
@@ -1256,7 +1256,7 @@
           <p:cNvPr id="3" name="内容占位符 2">
             <a:extLst>
               <a:ext uri="{FF2B5EF4-FFF2-40B4-BE49-F238E27FC236}">
-                <a16:creationId xmlns:a16="http://schemas.microsoft.com/office/drawing/2014/main" id="{CCD7DE86-CF1B-5251-F45E-68CF114361B3}"/>
+                <a16:creationId xmlns:a16="http://schemas.microsoft.com/office/drawing/2014/main" id="{7B037D3F-60D3-32AC-5DAC-93C16DBF95DF}"/>
               </a:ext>
             </a:extLst>
           </p:cNvPr>
@@ -1318,7 +1318,7 @@
           <p:cNvPr id="4" name="内容占位符 3">
             <a:extLst>
               <a:ext uri="{FF2B5EF4-FFF2-40B4-BE49-F238E27FC236}">
-                <a16:creationId xmlns:a16="http://schemas.microsoft.com/office/drawing/2014/main" id="{9F76D95E-46B5-FB9E-3E32-E1655BA41560}"/>
+                <a16:creationId xmlns:a16="http://schemas.microsoft.com/office/drawing/2014/main" id="{C798B903-F8A8-2965-61C8-2A24413D55E3}"/>
               </a:ext>
             </a:extLst>
           </p:cNvPr>
@@ -1380,7 +1380,7 @@
           <p:cNvPr id="5" name="日期占位符 4">
             <a:extLst>
               <a:ext uri="{FF2B5EF4-FFF2-40B4-BE49-F238E27FC236}">
-                <a16:creationId xmlns:a16="http://schemas.microsoft.com/office/drawing/2014/main" id="{F3EA8B04-B9BF-B38D-CB19-CD0F928D3655}"/>
+                <a16:creationId xmlns:a16="http://schemas.microsoft.com/office/drawing/2014/main" id="{B640CA7F-CF16-F1C7-40DA-2D35D48B4403}"/>
               </a:ext>
             </a:extLst>
           </p:cNvPr>
@@ -1396,7 +1396,7 @@
           <a:bodyPr/>
           <a:lstStyle/>
           <a:p>
-            <a:fld id="{96EFE92F-E094-45A0-A873-F60797093C08}" type="datetimeFigureOut">
+            <a:fld id="{51CE19DB-506E-4561-8BB3-94449CFC98F7}" type="datetimeFigureOut">
               <a:rPr lang="zh-CN" altLang="en-US" smtClean="0"/>
               <a:t>2024/3/10</a:t>
             </a:fld>
@@ -1409,7 +1409,7 @@
           <p:cNvPr id="6" name="页脚占位符 5">
             <a:extLst>
               <a:ext uri="{FF2B5EF4-FFF2-40B4-BE49-F238E27FC236}">
-                <a16:creationId xmlns:a16="http://schemas.microsoft.com/office/drawing/2014/main" id="{344CF6CC-235B-63E5-902C-9EBEEF65DD25}"/>
+                <a16:creationId xmlns:a16="http://schemas.microsoft.com/office/drawing/2014/main" id="{A71CC6A1-7075-D4D1-F387-D2183AED43BF}"/>
               </a:ext>
             </a:extLst>
           </p:cNvPr>
@@ -1434,7 +1434,7 @@
           <p:cNvPr id="7" name="灯片编号占位符 6">
             <a:extLst>
               <a:ext uri="{FF2B5EF4-FFF2-40B4-BE49-F238E27FC236}">
-                <a16:creationId xmlns:a16="http://schemas.microsoft.com/office/drawing/2014/main" id="{FA414E6C-4BD3-05B3-555D-4E037AB9B506}"/>
+                <a16:creationId xmlns:a16="http://schemas.microsoft.com/office/drawing/2014/main" id="{8DF1917F-F2FB-FF0D-953C-A497793155CE}"/>
               </a:ext>
             </a:extLst>
           </p:cNvPr>
@@ -1450,7 +1450,7 @@
           <a:bodyPr/>
           <a:lstStyle/>
           <a:p>
-            <a:fld id="{405BF015-0BF1-42DE-8640-4F70D6A9F69D}" type="slidenum">
+            <a:fld id="{CE12D511-E329-4C51-A65E-0226E3B9EFA4}" type="slidenum">
               <a:rPr lang="zh-CN" altLang="en-US" smtClean="0"/>
               <a:t>‹#›</a:t>
             </a:fld>
@@ -1461,7 +1461,7 @@
     </p:spTree>
     <p:extLst>
       <p:ext uri="{BB962C8B-B14F-4D97-AF65-F5344CB8AC3E}">
-        <p14:creationId xmlns:p14="http://schemas.microsoft.com/office/powerpoint/2010/main" val="2463326485"/>
+        <p14:creationId xmlns:p14="http://schemas.microsoft.com/office/powerpoint/2010/main" val="4100372872"/>
       </p:ext>
     </p:extLst>
   </p:cSld>
@@ -1493,7 +1493,7 @@
           <p:cNvPr id="2" name="标题 1">
             <a:extLst>
               <a:ext uri="{FF2B5EF4-FFF2-40B4-BE49-F238E27FC236}">
-                <a16:creationId xmlns:a16="http://schemas.microsoft.com/office/drawing/2014/main" id="{621BAD21-407F-A3E8-AAD4-87E0AFA2B370}"/>
+                <a16:creationId xmlns:a16="http://schemas.microsoft.com/office/drawing/2014/main" id="{19578F7E-56BA-EC40-2338-1CD7C7694670}"/>
               </a:ext>
             </a:extLst>
           </p:cNvPr>
@@ -1526,7 +1526,7 @@
           <p:cNvPr id="3" name="文本占位符 2">
             <a:extLst>
               <a:ext uri="{FF2B5EF4-FFF2-40B4-BE49-F238E27FC236}">
-                <a16:creationId xmlns:a16="http://schemas.microsoft.com/office/drawing/2014/main" id="{EA0A2026-974E-3EC3-AAC8-85262743AF93}"/>
+                <a16:creationId xmlns:a16="http://schemas.microsoft.com/office/drawing/2014/main" id="{ECB15A86-EA00-3F69-E12B-08500554A566}"/>
               </a:ext>
             </a:extLst>
           </p:cNvPr>
@@ -1597,7 +1597,7 @@
           <p:cNvPr id="4" name="内容占位符 3">
             <a:extLst>
               <a:ext uri="{FF2B5EF4-FFF2-40B4-BE49-F238E27FC236}">
-                <a16:creationId xmlns:a16="http://schemas.microsoft.com/office/drawing/2014/main" id="{57F23A58-A0F0-5DE0-7494-EE36D5925E36}"/>
+                <a16:creationId xmlns:a16="http://schemas.microsoft.com/office/drawing/2014/main" id="{B63BFCB5-7279-BFAD-FF9C-A0CE1AD58556}"/>
               </a:ext>
             </a:extLst>
           </p:cNvPr>
@@ -1659,7 +1659,7 @@
           <p:cNvPr id="5" name="文本占位符 4">
             <a:extLst>
               <a:ext uri="{FF2B5EF4-FFF2-40B4-BE49-F238E27FC236}">
-                <a16:creationId xmlns:a16="http://schemas.microsoft.com/office/drawing/2014/main" id="{45CC3E53-BABC-01CE-1AF8-B053103F460A}"/>
+                <a16:creationId xmlns:a16="http://schemas.microsoft.com/office/drawing/2014/main" id="{16D6DB59-1F53-85F9-1A5D-014EAD95B97E}"/>
               </a:ext>
             </a:extLst>
           </p:cNvPr>
@@ -1730,7 +1730,7 @@
           <p:cNvPr id="6" name="内容占位符 5">
             <a:extLst>
               <a:ext uri="{FF2B5EF4-FFF2-40B4-BE49-F238E27FC236}">
-                <a16:creationId xmlns:a16="http://schemas.microsoft.com/office/drawing/2014/main" id="{75E98027-00E5-FF90-ED7B-4CF90B3433D6}"/>
+                <a16:creationId xmlns:a16="http://schemas.microsoft.com/office/drawing/2014/main" id="{8B5C6716-6C0F-A3B6-0D69-F0B9A5529AEC}"/>
               </a:ext>
             </a:extLst>
           </p:cNvPr>
@@ -1792,7 +1792,7 @@
           <p:cNvPr id="7" name="日期占位符 6">
             <a:extLst>
               <a:ext uri="{FF2B5EF4-FFF2-40B4-BE49-F238E27FC236}">
-                <a16:creationId xmlns:a16="http://schemas.microsoft.com/office/drawing/2014/main" id="{20907AA6-6A06-B8EA-C0A4-11EA9E0699D8}"/>
+                <a16:creationId xmlns:a16="http://schemas.microsoft.com/office/drawing/2014/main" id="{00EF9903-3A65-D1D7-E59C-20B793A4031F}"/>
               </a:ext>
             </a:extLst>
           </p:cNvPr>
@@ -1808,7 +1808,7 @@
           <a:bodyPr/>
           <a:lstStyle/>
           <a:p>
-            <a:fld id="{96EFE92F-E094-45A0-A873-F60797093C08}" type="datetimeFigureOut">
+            <a:fld id="{51CE19DB-506E-4561-8BB3-94449CFC98F7}" type="datetimeFigureOut">
               <a:rPr lang="zh-CN" altLang="en-US" smtClean="0"/>
               <a:t>2024/3/10</a:t>
             </a:fld>
@@ -1821,7 +1821,7 @@
           <p:cNvPr id="8" name="页脚占位符 7">
             <a:extLst>
               <a:ext uri="{FF2B5EF4-FFF2-40B4-BE49-F238E27FC236}">
-                <a16:creationId xmlns:a16="http://schemas.microsoft.com/office/drawing/2014/main" id="{32B4AC3A-9310-F589-3F0E-D7C423808C3F}"/>
+                <a16:creationId xmlns:a16="http://schemas.microsoft.com/office/drawing/2014/main" id="{9B3DE5B7-0B97-2E54-A3A6-E5D47E1B4A75}"/>
               </a:ext>
             </a:extLst>
           </p:cNvPr>
@@ -1846,7 +1846,7 @@
           <p:cNvPr id="9" name="灯片编号占位符 8">
             <a:extLst>
               <a:ext uri="{FF2B5EF4-FFF2-40B4-BE49-F238E27FC236}">
-                <a16:creationId xmlns:a16="http://schemas.microsoft.com/office/drawing/2014/main" id="{A4A86999-F4E3-1324-546D-571C76664034}"/>
+                <a16:creationId xmlns:a16="http://schemas.microsoft.com/office/drawing/2014/main" id="{2523C83D-AE7D-A136-2703-D2F5D4D6E36B}"/>
               </a:ext>
             </a:extLst>
           </p:cNvPr>
@@ -1862,7 +1862,7 @@
           <a:bodyPr/>
           <a:lstStyle/>
           <a:p>
-            <a:fld id="{405BF015-0BF1-42DE-8640-4F70D6A9F69D}" type="slidenum">
+            <a:fld id="{CE12D511-E329-4C51-A65E-0226E3B9EFA4}" type="slidenum">
               <a:rPr lang="zh-CN" altLang="en-US" smtClean="0"/>
               <a:t>‹#›</a:t>
             </a:fld>
@@ -1873,7 +1873,7 @@
     </p:spTree>
     <p:extLst>
       <p:ext uri="{BB962C8B-B14F-4D97-AF65-F5344CB8AC3E}">
-        <p14:creationId xmlns:p14="http://schemas.microsoft.com/office/powerpoint/2010/main" val="84257932"/>
+        <p14:creationId xmlns:p14="http://schemas.microsoft.com/office/powerpoint/2010/main" val="2023323689"/>
       </p:ext>
     </p:extLst>
   </p:cSld>
@@ -1905,7 +1905,7 @@
           <p:cNvPr id="2" name="标题 1">
             <a:extLst>
               <a:ext uri="{FF2B5EF4-FFF2-40B4-BE49-F238E27FC236}">
-                <a16:creationId xmlns:a16="http://schemas.microsoft.com/office/drawing/2014/main" id="{AD08E122-87B9-4FF8-9201-E1D630B55DD9}"/>
+                <a16:creationId xmlns:a16="http://schemas.microsoft.com/office/drawing/2014/main" id="{CBE12254-5CF5-2BC1-E699-CABFAAEAE402}"/>
               </a:ext>
             </a:extLst>
           </p:cNvPr>
@@ -1933,7 +1933,7 @@
           <p:cNvPr id="3" name="日期占位符 2">
             <a:extLst>
               <a:ext uri="{FF2B5EF4-FFF2-40B4-BE49-F238E27FC236}">
-                <a16:creationId xmlns:a16="http://schemas.microsoft.com/office/drawing/2014/main" id="{5B0D7B72-C312-2778-1337-2DC17B3EAB35}"/>
+                <a16:creationId xmlns:a16="http://schemas.microsoft.com/office/drawing/2014/main" id="{61723840-C036-6309-4B80-30E21D4FAA70}"/>
               </a:ext>
             </a:extLst>
           </p:cNvPr>
@@ -1949,7 +1949,7 @@
           <a:bodyPr/>
           <a:lstStyle/>
           <a:p>
-            <a:fld id="{96EFE92F-E094-45A0-A873-F60797093C08}" type="datetimeFigureOut">
+            <a:fld id="{51CE19DB-506E-4561-8BB3-94449CFC98F7}" type="datetimeFigureOut">
               <a:rPr lang="zh-CN" altLang="en-US" smtClean="0"/>
               <a:t>2024/3/10</a:t>
             </a:fld>
@@ -1962,7 +1962,7 @@
           <p:cNvPr id="4" name="页脚占位符 3">
             <a:extLst>
               <a:ext uri="{FF2B5EF4-FFF2-40B4-BE49-F238E27FC236}">
-                <a16:creationId xmlns:a16="http://schemas.microsoft.com/office/drawing/2014/main" id="{0C076685-D852-73B9-FF57-B2695187FC20}"/>
+                <a16:creationId xmlns:a16="http://schemas.microsoft.com/office/drawing/2014/main" id="{E67A41A3-7BFD-6E58-FF6D-B5722028C581}"/>
               </a:ext>
             </a:extLst>
           </p:cNvPr>
@@ -1987,7 +1987,7 @@
           <p:cNvPr id="5" name="灯片编号占位符 4">
             <a:extLst>
               <a:ext uri="{FF2B5EF4-FFF2-40B4-BE49-F238E27FC236}">
-                <a16:creationId xmlns:a16="http://schemas.microsoft.com/office/drawing/2014/main" id="{91AB358E-DB98-937C-BE15-BAADBA697121}"/>
+                <a16:creationId xmlns:a16="http://schemas.microsoft.com/office/drawing/2014/main" id="{28D43465-386C-4232-121B-B0CC08E3BDA5}"/>
               </a:ext>
             </a:extLst>
           </p:cNvPr>
@@ -2003,7 +2003,7 @@
           <a:bodyPr/>
           <a:lstStyle/>
           <a:p>
-            <a:fld id="{405BF015-0BF1-42DE-8640-4F70D6A9F69D}" type="slidenum">
+            <a:fld id="{CE12D511-E329-4C51-A65E-0226E3B9EFA4}" type="slidenum">
               <a:rPr lang="zh-CN" altLang="en-US" smtClean="0"/>
               <a:t>‹#›</a:t>
             </a:fld>
@@ -2014,7 +2014,7 @@
     </p:spTree>
     <p:extLst>
       <p:ext uri="{BB962C8B-B14F-4D97-AF65-F5344CB8AC3E}">
-        <p14:creationId xmlns:p14="http://schemas.microsoft.com/office/powerpoint/2010/main" val="1781284726"/>
+        <p14:creationId xmlns:p14="http://schemas.microsoft.com/office/powerpoint/2010/main" val="3123034726"/>
       </p:ext>
     </p:extLst>
   </p:cSld>
@@ -2046,7 +2046,7 @@
           <p:cNvPr id="2" name="日期占位符 1">
             <a:extLst>
               <a:ext uri="{FF2B5EF4-FFF2-40B4-BE49-F238E27FC236}">
-                <a16:creationId xmlns:a16="http://schemas.microsoft.com/office/drawing/2014/main" id="{52C34E9A-FC74-3D07-D952-F0FD8DCD52DE}"/>
+                <a16:creationId xmlns:a16="http://schemas.microsoft.com/office/drawing/2014/main" id="{7FD33DF6-FF0E-A7A1-D425-619D10DF0FB2}"/>
               </a:ext>
             </a:extLst>
           </p:cNvPr>
@@ -2062,7 +2062,7 @@
           <a:bodyPr/>
           <a:lstStyle/>
           <a:p>
-            <a:fld id="{96EFE92F-E094-45A0-A873-F60797093C08}" type="datetimeFigureOut">
+            <a:fld id="{51CE19DB-506E-4561-8BB3-94449CFC98F7}" type="datetimeFigureOut">
               <a:rPr lang="zh-CN" altLang="en-US" smtClean="0"/>
               <a:t>2024/3/10</a:t>
             </a:fld>
@@ -2075,7 +2075,7 @@
           <p:cNvPr id="3" name="页脚占位符 2">
             <a:extLst>
               <a:ext uri="{FF2B5EF4-FFF2-40B4-BE49-F238E27FC236}">
-                <a16:creationId xmlns:a16="http://schemas.microsoft.com/office/drawing/2014/main" id="{DFA92087-1983-D35B-8B8B-FDB173CAE358}"/>
+                <a16:creationId xmlns:a16="http://schemas.microsoft.com/office/drawing/2014/main" id="{421E8B5B-D540-A69B-9D9D-067D4812C264}"/>
               </a:ext>
             </a:extLst>
           </p:cNvPr>
@@ -2100,7 +2100,7 @@
           <p:cNvPr id="4" name="灯片编号占位符 3">
             <a:extLst>
               <a:ext uri="{FF2B5EF4-FFF2-40B4-BE49-F238E27FC236}">
-                <a16:creationId xmlns:a16="http://schemas.microsoft.com/office/drawing/2014/main" id="{7EB838D4-5FC1-6D24-3F32-76D4DF716294}"/>
+                <a16:creationId xmlns:a16="http://schemas.microsoft.com/office/drawing/2014/main" id="{8E1FDA64-8B39-500E-BDD8-D18A24E96880}"/>
               </a:ext>
             </a:extLst>
           </p:cNvPr>
@@ -2116,7 +2116,7 @@
           <a:bodyPr/>
           <a:lstStyle/>
           <a:p>
-            <a:fld id="{405BF015-0BF1-42DE-8640-4F70D6A9F69D}" type="slidenum">
+            <a:fld id="{CE12D511-E329-4C51-A65E-0226E3B9EFA4}" type="slidenum">
               <a:rPr lang="zh-CN" altLang="en-US" smtClean="0"/>
               <a:t>‹#›</a:t>
             </a:fld>
@@ -2127,7 +2127,7 @@
     </p:spTree>
     <p:extLst>
       <p:ext uri="{BB962C8B-B14F-4D97-AF65-F5344CB8AC3E}">
-        <p14:creationId xmlns:p14="http://schemas.microsoft.com/office/powerpoint/2010/main" val="3535228066"/>
+        <p14:creationId xmlns:p14="http://schemas.microsoft.com/office/powerpoint/2010/main" val="20384692"/>
       </p:ext>
     </p:extLst>
   </p:cSld>
@@ -2159,7 +2159,7 @@
           <p:cNvPr id="2" name="标题 1">
             <a:extLst>
               <a:ext uri="{FF2B5EF4-FFF2-40B4-BE49-F238E27FC236}">
-                <a16:creationId xmlns:a16="http://schemas.microsoft.com/office/drawing/2014/main" id="{329F3E89-11BE-B7C1-959C-FFC0D0AB49D8}"/>
+                <a16:creationId xmlns:a16="http://schemas.microsoft.com/office/drawing/2014/main" id="{870DCF51-B388-1293-27AC-E8BEA186B2CE}"/>
               </a:ext>
             </a:extLst>
           </p:cNvPr>
@@ -2196,7 +2196,7 @@
           <p:cNvPr id="3" name="内容占位符 2">
             <a:extLst>
               <a:ext uri="{FF2B5EF4-FFF2-40B4-BE49-F238E27FC236}">
-                <a16:creationId xmlns:a16="http://schemas.microsoft.com/office/drawing/2014/main" id="{45002773-A294-FD11-CEAD-7283ECA3B8D2}"/>
+                <a16:creationId xmlns:a16="http://schemas.microsoft.com/office/drawing/2014/main" id="{C84B2925-C628-BA1C-4EA0-9A0EEA3EACF1}"/>
               </a:ext>
             </a:extLst>
           </p:cNvPr>
@@ -2286,7 +2286,7 @@
           <p:cNvPr id="4" name="文本占位符 3">
             <a:extLst>
               <a:ext uri="{FF2B5EF4-FFF2-40B4-BE49-F238E27FC236}">
-                <a16:creationId xmlns:a16="http://schemas.microsoft.com/office/drawing/2014/main" id="{87527C6D-CDEC-4723-3AA6-50B5E4C62A38}"/>
+                <a16:creationId xmlns:a16="http://schemas.microsoft.com/office/drawing/2014/main" id="{7B62EA8B-9503-9296-4CF0-4D00F035D4A2}"/>
               </a:ext>
             </a:extLst>
           </p:cNvPr>
@@ -2357,7 +2357,7 @@
           <p:cNvPr id="5" name="日期占位符 4">
             <a:extLst>
               <a:ext uri="{FF2B5EF4-FFF2-40B4-BE49-F238E27FC236}">
-                <a16:creationId xmlns:a16="http://schemas.microsoft.com/office/drawing/2014/main" id="{BF85D6A1-8A77-6185-C6AB-8217080C5BFD}"/>
+                <a16:creationId xmlns:a16="http://schemas.microsoft.com/office/drawing/2014/main" id="{A8482F6C-009F-9888-C3F3-3AAFD9875D8B}"/>
               </a:ext>
             </a:extLst>
           </p:cNvPr>
@@ -2373,7 +2373,7 @@
           <a:bodyPr/>
           <a:lstStyle/>
           <a:p>
-            <a:fld id="{96EFE92F-E094-45A0-A873-F60797093C08}" type="datetimeFigureOut">
+            <a:fld id="{51CE19DB-506E-4561-8BB3-94449CFC98F7}" type="datetimeFigureOut">
               <a:rPr lang="zh-CN" altLang="en-US" smtClean="0"/>
               <a:t>2024/3/10</a:t>
             </a:fld>
@@ -2386,7 +2386,7 @@
           <p:cNvPr id="6" name="页脚占位符 5">
             <a:extLst>
               <a:ext uri="{FF2B5EF4-FFF2-40B4-BE49-F238E27FC236}">
-                <a16:creationId xmlns:a16="http://schemas.microsoft.com/office/drawing/2014/main" id="{156B43B6-21BB-58CB-3829-09D997D1CCE9}"/>
+                <a16:creationId xmlns:a16="http://schemas.microsoft.com/office/drawing/2014/main" id="{840540DD-4ADE-69AF-0236-A474EAD2D7DE}"/>
               </a:ext>
             </a:extLst>
           </p:cNvPr>
@@ -2411,7 +2411,7 @@
           <p:cNvPr id="7" name="灯片编号占位符 6">
             <a:extLst>
               <a:ext uri="{FF2B5EF4-FFF2-40B4-BE49-F238E27FC236}">
-                <a16:creationId xmlns:a16="http://schemas.microsoft.com/office/drawing/2014/main" id="{ECF9B01F-3D2D-4A55-0B38-369ECB883942}"/>
+                <a16:creationId xmlns:a16="http://schemas.microsoft.com/office/drawing/2014/main" id="{B191668C-0A5E-848D-9D76-658FC4945086}"/>
               </a:ext>
             </a:extLst>
           </p:cNvPr>
@@ -2427,7 +2427,7 @@
           <a:bodyPr/>
           <a:lstStyle/>
           <a:p>
-            <a:fld id="{405BF015-0BF1-42DE-8640-4F70D6A9F69D}" type="slidenum">
+            <a:fld id="{CE12D511-E329-4C51-A65E-0226E3B9EFA4}" type="slidenum">
               <a:rPr lang="zh-CN" altLang="en-US" smtClean="0"/>
               <a:t>‹#›</a:t>
             </a:fld>
@@ -2438,7 +2438,7 @@
     </p:spTree>
     <p:extLst>
       <p:ext uri="{BB962C8B-B14F-4D97-AF65-F5344CB8AC3E}">
-        <p14:creationId xmlns:p14="http://schemas.microsoft.com/office/powerpoint/2010/main" val="1431264138"/>
+        <p14:creationId xmlns:p14="http://schemas.microsoft.com/office/powerpoint/2010/main" val="1439613005"/>
       </p:ext>
     </p:extLst>
   </p:cSld>
@@ -2470,7 +2470,7 @@
           <p:cNvPr id="2" name="标题 1">
             <a:extLst>
               <a:ext uri="{FF2B5EF4-FFF2-40B4-BE49-F238E27FC236}">
-                <a16:creationId xmlns:a16="http://schemas.microsoft.com/office/drawing/2014/main" id="{FC6143EC-F782-B5B3-42F4-7BADDAB6EEEF}"/>
+                <a16:creationId xmlns:a16="http://schemas.microsoft.com/office/drawing/2014/main" id="{D1528A07-872A-0DDD-08FA-F0CFA28DCA00}"/>
               </a:ext>
             </a:extLst>
           </p:cNvPr>
@@ -2507,7 +2507,7 @@
           <p:cNvPr id="3" name="图片占位符 2">
             <a:extLst>
               <a:ext uri="{FF2B5EF4-FFF2-40B4-BE49-F238E27FC236}">
-                <a16:creationId xmlns:a16="http://schemas.microsoft.com/office/drawing/2014/main" id="{2666E899-1FD2-A049-96B2-0057C263C22C}"/>
+                <a16:creationId xmlns:a16="http://schemas.microsoft.com/office/drawing/2014/main" id="{4253E8FC-6268-9809-0386-CFAA71FE63CF}"/>
               </a:ext>
             </a:extLst>
           </p:cNvPr>
@@ -2574,7 +2574,7 @@
           <p:cNvPr id="4" name="文本占位符 3">
             <a:extLst>
               <a:ext uri="{FF2B5EF4-FFF2-40B4-BE49-F238E27FC236}">
-                <a16:creationId xmlns:a16="http://schemas.microsoft.com/office/drawing/2014/main" id="{EBD47B53-B029-6EDB-D148-3A91C599710C}"/>
+                <a16:creationId xmlns:a16="http://schemas.microsoft.com/office/drawing/2014/main" id="{BB02905C-763E-21AB-72D7-FC7877A39B65}"/>
               </a:ext>
             </a:extLst>
           </p:cNvPr>
@@ -2645,7 +2645,7 @@
           <p:cNvPr id="5" name="日期占位符 4">
             <a:extLst>
               <a:ext uri="{FF2B5EF4-FFF2-40B4-BE49-F238E27FC236}">
-                <a16:creationId xmlns:a16="http://schemas.microsoft.com/office/drawing/2014/main" id="{F8A39463-3E87-C9FC-B830-A9752CEF1F84}"/>
+                <a16:creationId xmlns:a16="http://schemas.microsoft.com/office/drawing/2014/main" id="{D3ADBBA6-780B-2901-3C34-B6B69787262E}"/>
               </a:ext>
             </a:extLst>
           </p:cNvPr>
@@ -2661,7 +2661,7 @@
           <a:bodyPr/>
           <a:lstStyle/>
           <a:p>
-            <a:fld id="{96EFE92F-E094-45A0-A873-F60797093C08}" type="datetimeFigureOut">
+            <a:fld id="{51CE19DB-506E-4561-8BB3-94449CFC98F7}" type="datetimeFigureOut">
               <a:rPr lang="zh-CN" altLang="en-US" smtClean="0"/>
               <a:t>2024/3/10</a:t>
             </a:fld>
@@ -2674,7 +2674,7 @@
           <p:cNvPr id="6" name="页脚占位符 5">
             <a:extLst>
               <a:ext uri="{FF2B5EF4-FFF2-40B4-BE49-F238E27FC236}">
-                <a16:creationId xmlns:a16="http://schemas.microsoft.com/office/drawing/2014/main" id="{8DE050E1-F938-FAAF-4454-A5FE72275EA5}"/>
+                <a16:creationId xmlns:a16="http://schemas.microsoft.com/office/drawing/2014/main" id="{A4062B36-5199-AC22-EED7-49161099FFE4}"/>
               </a:ext>
             </a:extLst>
           </p:cNvPr>
@@ -2699,7 +2699,7 @@
           <p:cNvPr id="7" name="灯片编号占位符 6">
             <a:extLst>
               <a:ext uri="{FF2B5EF4-FFF2-40B4-BE49-F238E27FC236}">
-                <a16:creationId xmlns:a16="http://schemas.microsoft.com/office/drawing/2014/main" id="{042D877F-75E9-DABD-2764-0794A066E58E}"/>
+                <a16:creationId xmlns:a16="http://schemas.microsoft.com/office/drawing/2014/main" id="{79C96C0A-6954-81B9-9B85-96F957191085}"/>
               </a:ext>
             </a:extLst>
           </p:cNvPr>
@@ -2715,7 +2715,7 @@
           <a:bodyPr/>
           <a:lstStyle/>
           <a:p>
-            <a:fld id="{405BF015-0BF1-42DE-8640-4F70D6A9F69D}" type="slidenum">
+            <a:fld id="{CE12D511-E329-4C51-A65E-0226E3B9EFA4}" type="slidenum">
               <a:rPr lang="zh-CN" altLang="en-US" smtClean="0"/>
               <a:t>‹#›</a:t>
             </a:fld>
@@ -2726,7 +2726,7 @@
     </p:spTree>
     <p:extLst>
       <p:ext uri="{BB962C8B-B14F-4D97-AF65-F5344CB8AC3E}">
-        <p14:creationId xmlns:p14="http://schemas.microsoft.com/office/powerpoint/2010/main" val="355285216"/>
+        <p14:creationId xmlns:p14="http://schemas.microsoft.com/office/powerpoint/2010/main" val="687437640"/>
       </p:ext>
     </p:extLst>
   </p:cSld>
@@ -2763,7 +2763,7 @@
           <p:cNvPr id="2" name="标题占位符 1">
             <a:extLst>
               <a:ext uri="{FF2B5EF4-FFF2-40B4-BE49-F238E27FC236}">
-                <a16:creationId xmlns:a16="http://schemas.microsoft.com/office/drawing/2014/main" id="{529003BA-C8A8-97E9-5C84-8D59AC9E3EF1}"/>
+                <a16:creationId xmlns:a16="http://schemas.microsoft.com/office/drawing/2014/main" id="{6D26B060-FF59-1295-DA62-DF539CB83DBD}"/>
               </a:ext>
             </a:extLst>
           </p:cNvPr>
@@ -2801,7 +2801,7 @@
           <p:cNvPr id="3" name="文本占位符 2">
             <a:extLst>
               <a:ext uri="{FF2B5EF4-FFF2-40B4-BE49-F238E27FC236}">
-                <a16:creationId xmlns:a16="http://schemas.microsoft.com/office/drawing/2014/main" id="{ACE9DF05-9C43-9170-F778-23D7CC6294B1}"/>
+                <a16:creationId xmlns:a16="http://schemas.microsoft.com/office/drawing/2014/main" id="{890BFFA0-41E5-4449-368A-2BB4B05F58B6}"/>
               </a:ext>
             </a:extLst>
           </p:cNvPr>
@@ -2868,7 +2868,7 @@
           <p:cNvPr id="4" name="日期占位符 3">
             <a:extLst>
               <a:ext uri="{FF2B5EF4-FFF2-40B4-BE49-F238E27FC236}">
-                <a16:creationId xmlns:a16="http://schemas.microsoft.com/office/drawing/2014/main" id="{F32182DF-6DBE-6D4B-6889-4F8915F38252}"/>
+                <a16:creationId xmlns:a16="http://schemas.microsoft.com/office/drawing/2014/main" id="{5CCCF9FA-5BB5-769C-D729-CE150FC468F8}"/>
               </a:ext>
             </a:extLst>
           </p:cNvPr>
@@ -2902,7 +2902,7 @@
             </a:lvl1pPr>
           </a:lstStyle>
           <a:p>
-            <a:fld id="{96EFE92F-E094-45A0-A873-F60797093C08}" type="datetimeFigureOut">
+            <a:fld id="{51CE19DB-506E-4561-8BB3-94449CFC98F7}" type="datetimeFigureOut">
               <a:rPr lang="zh-CN" altLang="en-US" smtClean="0"/>
               <a:t>2024/3/10</a:t>
             </a:fld>
@@ -2915,7 +2915,7 @@
           <p:cNvPr id="5" name="页脚占位符 4">
             <a:extLst>
               <a:ext uri="{FF2B5EF4-FFF2-40B4-BE49-F238E27FC236}">
-                <a16:creationId xmlns:a16="http://schemas.microsoft.com/office/drawing/2014/main" id="{CD13F46C-FB71-88E0-3EC9-A31025BA9FFE}"/>
+                <a16:creationId xmlns:a16="http://schemas.microsoft.com/office/drawing/2014/main" id="{5CBA24BC-9131-9531-933E-FD8162CEF7EA}"/>
               </a:ext>
             </a:extLst>
           </p:cNvPr>
@@ -2958,7 +2958,7 @@
           <p:cNvPr id="6" name="灯片编号占位符 5">
             <a:extLst>
               <a:ext uri="{FF2B5EF4-FFF2-40B4-BE49-F238E27FC236}">
-                <a16:creationId xmlns:a16="http://schemas.microsoft.com/office/drawing/2014/main" id="{2FDB41C4-97C5-B44F-B725-92FD92C17EED}"/>
+                <a16:creationId xmlns:a16="http://schemas.microsoft.com/office/drawing/2014/main" id="{BA128418-FE2B-315D-547A-F000F737C214}"/>
               </a:ext>
             </a:extLst>
           </p:cNvPr>
@@ -2992,7 +2992,7 @@
             </a:lvl1pPr>
           </a:lstStyle>
           <a:p>
-            <a:fld id="{405BF015-0BF1-42DE-8640-4F70D6A9F69D}" type="slidenum">
+            <a:fld id="{CE12D511-E329-4C51-A65E-0226E3B9EFA4}" type="slidenum">
               <a:rPr lang="zh-CN" altLang="en-US" smtClean="0"/>
               <a:t>‹#›</a:t>
             </a:fld>
@@ -3003,7 +3003,7 @@
     </p:spTree>
     <p:extLst>
       <p:ext uri="{BB962C8B-B14F-4D97-AF65-F5344CB8AC3E}">
-        <p14:creationId xmlns:p14="http://schemas.microsoft.com/office/powerpoint/2010/main" val="1438425187"/>
+        <p14:creationId xmlns:p14="http://schemas.microsoft.com/office/powerpoint/2010/main" val="3951047079"/>
       </p:ext>
     </p:extLst>
   </p:cSld>
@@ -3323,7 +3323,7 @@
       </p:grpSpPr>
       <p:pic>
         <p:nvPicPr>
-          <p:cNvPr id="1206274" name="Picture 2" descr="1177"/>
+          <p:cNvPr id="1207298" name="Picture 2" descr="1178"/>
           <p:cNvPicPr>
             <a:picLocks noChangeAspect="1" noChangeArrowheads="1"/>
           </p:cNvPicPr>
@@ -3344,8 +3344,8 @@
         </p:blipFill>
         <p:spPr bwMode="auto">
           <a:xfrm>
-            <a:off x="1524000" y="14288"/>
-            <a:ext cx="9124950" cy="6843712"/>
+            <a:off x="1524000" y="0"/>
+            <a:ext cx="9144000" cy="6859588"/>
           </a:xfrm>
           <a:prstGeom prst="rect">
             <a:avLst/>
@@ -3375,158 +3375,11 @@
           </a:extLst>
         </p:spPr>
       </p:pic>
-      <p:pic>
-        <p:nvPicPr>
-          <p:cNvPr id="1207299" name="Picture 3" descr="1177-2"/>
-          <p:cNvPicPr>
-            <a:picLocks noChangeAspect="1" noChangeArrowheads="1"/>
-          </p:cNvPicPr>
-          <p:nvPr/>
-        </p:nvPicPr>
-        <p:blipFill>
-          <a:blip r:embed="rId3">
-            <a:extLst>
-              <a:ext uri="{28A0092B-C50C-407E-A947-70E740481C1C}">
-                <a14:useLocalDpi xmlns:a14="http://schemas.microsoft.com/office/drawing/2010/main" val="0"/>
-              </a:ext>
-            </a:extLst>
-          </a:blip>
-          <a:srcRect/>
-          <a:stretch>
-            <a:fillRect/>
-          </a:stretch>
-        </p:blipFill>
-        <p:spPr bwMode="auto">
-          <a:xfrm>
-            <a:off x="1524000" y="0"/>
-            <a:ext cx="9144000" cy="6859588"/>
-          </a:xfrm>
-          <a:prstGeom prst="rect">
-            <a:avLst/>
-          </a:prstGeom>
-          <a:noFill/>
-          <a:ln>
-            <a:noFill/>
-          </a:ln>
-          <a:effectLst/>
-          <a:extLst>
-            <a:ext uri="{909E8E84-426E-40DD-AFC4-6F175D3DCCD1}">
-              <a14:hiddenFill xmlns:a14="http://schemas.microsoft.com/office/drawing/2010/main">
-                <a:solidFill>
-                  <a:srgbClr val="FFFFFF"/>
-                </a:solidFill>
-              </a14:hiddenFill>
-            </a:ext>
-            <a:ext uri="{91240B29-F687-4F45-9708-019B960494DF}">
-              <a14:hiddenLine xmlns:a14="http://schemas.microsoft.com/office/drawing/2010/main" w="9525">
-                <a:solidFill>
-                  <a:srgbClr val="000000"/>
-                </a:solidFill>
-                <a:miter lim="800000"/>
-                <a:headEnd/>
-                <a:tailEnd/>
-              </a14:hiddenLine>
-            </a:ext>
-            <a:ext uri="{AF507438-7753-43E0-B8FC-AC1667EBCBE1}">
-              <a14:hiddenEffects xmlns:a14="http://schemas.microsoft.com/office/drawing/2010/main">
-                <a:effectLst>
-                  <a:outerShdw dist="35921" dir="2700000" algn="ctr" rotWithShape="0">
-                    <a:srgbClr val="808080"/>
-                  </a:outerShdw>
-                </a:effectLst>
-              </a14:hiddenEffects>
-            </a:ext>
-          </a:extLst>
-        </p:spPr>
-      </p:pic>
     </p:spTree>
   </p:cSld>
   <p:clrMapOvr>
     <a:masterClrMapping/>
   </p:clrMapOvr>
-  <p:timing>
-    <p:tnLst>
-      <p:par>
-        <p:cTn id="1" dur="indefinite" restart="never" nodeType="tmRoot">
-          <p:childTnLst>
-            <p:seq concurrent="1" nextAc="seek">
-              <p:cTn id="2" dur="indefinite" nodeType="mainSeq">
-                <p:childTnLst>
-                  <p:par>
-                    <p:cTn id="3" fill="hold" nodeType="clickPar">
-                      <p:stCondLst>
-                        <p:cond delay="indefinite"/>
-                      </p:stCondLst>
-                      <p:childTnLst>
-                        <p:par>
-                          <p:cTn id="4" fill="hold" nodeType="withGroup">
-                            <p:stCondLst>
-                              <p:cond delay="0"/>
-                            </p:stCondLst>
-                            <p:childTnLst>
-                              <p:par>
-                                <p:cTn id="5" presetID="10" presetClass="entr" presetSubtype="0" fill="hold" nodeType="clickEffect">
-                                  <p:stCondLst>
-                                    <p:cond delay="0"/>
-                                  </p:stCondLst>
-                                  <p:childTnLst>
-                                    <p:set>
-                                      <p:cBhvr>
-                                        <p:cTn id="6" dur="1" fill="hold">
-                                          <p:stCondLst>
-                                            <p:cond delay="0"/>
-                                          </p:stCondLst>
-                                        </p:cTn>
-                                        <p:tgtEl>
-                                          <p:spTgt spid="1207299"/>
-                                        </p:tgtEl>
-                                        <p:attrNameLst>
-                                          <p:attrName>style.visibility</p:attrName>
-                                        </p:attrNameLst>
-                                      </p:cBhvr>
-                                      <p:to>
-                                        <p:strVal val="visible"/>
-                                      </p:to>
-                                    </p:set>
-                                    <p:animEffect transition="in" filter="fade">
-                                      <p:cBhvr>
-                                        <p:cTn id="7" dur="500"/>
-                                        <p:tgtEl>
-                                          <p:spTgt spid="1207299"/>
-                                        </p:tgtEl>
-                                      </p:cBhvr>
-                                    </p:animEffect>
-                                  </p:childTnLst>
-                                </p:cTn>
-                              </p:par>
-                            </p:childTnLst>
-                          </p:cTn>
-                        </p:par>
-                      </p:childTnLst>
-                    </p:cTn>
-                  </p:par>
-                </p:childTnLst>
-              </p:cTn>
-              <p:prevCondLst>
-                <p:cond evt="onPrev" delay="0">
-                  <p:tgtEl>
-                    <p:sldTgt/>
-                  </p:tgtEl>
-                </p:cond>
-              </p:prevCondLst>
-              <p:nextCondLst>
-                <p:cond evt="onNext" delay="0">
-                  <p:tgtEl>
-                    <p:sldTgt/>
-                  </p:tgtEl>
-                </p:cond>
-              </p:nextCondLst>
-            </p:seq>
-          </p:childTnLst>
-        </p:cTn>
-      </p:par>
-    </p:tnLst>
-  </p:timing>
 </p:sld>
 </file>
 
